--- a/docs/.vuepress/public/images/updateChildren.pptx
+++ b/docs/.vuepress/public/images/updateChildren.pptx
@@ -371,10 +371,14 @@
   </p:clrMapOvr>
   <mc:AlternateContent xmlns:mc="http://schemas.openxmlformats.org/markup-compatibility/2006">
     <mc:Choice xmlns:p14="http://schemas.microsoft.com/office/powerpoint/2010/main" Requires="p14">
-      <p:transition spd="slow" p14:dur="2000" advClick="0" advTm="2000"/>
+      <p:transition spd="med" p14:dur="700" advClick="0" advTm="2000">
+        <p:fade/>
+      </p:transition>
     </mc:Choice>
     <mc:Fallback>
-      <p:transition spd="slow" advClick="0" advTm="2000"/>
+      <p:transition spd="med" advClick="0" advTm="2000">
+        <p:fade/>
+      </p:transition>
     </mc:Fallback>
   </mc:AlternateContent>
 </p:sldLayout>
@@ -577,10 +581,14 @@
   </p:clrMapOvr>
   <mc:AlternateContent xmlns:mc="http://schemas.openxmlformats.org/markup-compatibility/2006">
     <mc:Choice xmlns:p14="http://schemas.microsoft.com/office/powerpoint/2010/main" Requires="p14">
-      <p:transition spd="slow" p14:dur="2000" advClick="0" advTm="2000"/>
+      <p:transition spd="med" p14:dur="700" advClick="0" advTm="2000">
+        <p:fade/>
+      </p:transition>
     </mc:Choice>
     <mc:Fallback>
-      <p:transition spd="slow" advClick="0" advTm="2000"/>
+      <p:transition spd="med" advClick="0" advTm="2000">
+        <p:fade/>
+      </p:transition>
     </mc:Fallback>
   </mc:AlternateContent>
 </p:sldLayout>
@@ -793,10 +801,14 @@
   </p:clrMapOvr>
   <mc:AlternateContent xmlns:mc="http://schemas.openxmlformats.org/markup-compatibility/2006">
     <mc:Choice xmlns:p14="http://schemas.microsoft.com/office/powerpoint/2010/main" Requires="p14">
-      <p:transition spd="slow" p14:dur="2000" advClick="0" advTm="2000"/>
+      <p:transition spd="med" p14:dur="700" advClick="0" advTm="2000">
+        <p:fade/>
+      </p:transition>
     </mc:Choice>
     <mc:Fallback>
-      <p:transition spd="slow" advClick="0" advTm="2000"/>
+      <p:transition spd="med" advClick="0" advTm="2000">
+        <p:fade/>
+      </p:transition>
     </mc:Fallback>
   </mc:AlternateContent>
 </p:sldLayout>
@@ -999,10 +1011,14 @@
   </p:clrMapOvr>
   <mc:AlternateContent xmlns:mc="http://schemas.openxmlformats.org/markup-compatibility/2006">
     <mc:Choice xmlns:p14="http://schemas.microsoft.com/office/powerpoint/2010/main" Requires="p14">
-      <p:transition spd="slow" p14:dur="2000" advClick="0" advTm="2000"/>
+      <p:transition spd="med" p14:dur="700" advClick="0" advTm="2000">
+        <p:fade/>
+      </p:transition>
     </mc:Choice>
     <mc:Fallback>
-      <p:transition spd="slow" advClick="0" advTm="2000"/>
+      <p:transition spd="med" advClick="0" advTm="2000">
+        <p:fade/>
+      </p:transition>
     </mc:Fallback>
   </mc:AlternateContent>
 </p:sldLayout>
@@ -1282,10 +1298,14 @@
   </p:clrMapOvr>
   <mc:AlternateContent xmlns:mc="http://schemas.openxmlformats.org/markup-compatibility/2006">
     <mc:Choice xmlns:p14="http://schemas.microsoft.com/office/powerpoint/2010/main" Requires="p14">
-      <p:transition spd="slow" p14:dur="2000" advClick="0" advTm="2000"/>
+      <p:transition spd="med" p14:dur="700" advClick="0" advTm="2000">
+        <p:fade/>
+      </p:transition>
     </mc:Choice>
     <mc:Fallback>
-      <p:transition spd="slow" advClick="0" advTm="2000"/>
+      <p:transition spd="med" advClick="0" advTm="2000">
+        <p:fade/>
+      </p:transition>
     </mc:Fallback>
   </mc:AlternateContent>
 </p:sldLayout>
@@ -1555,10 +1575,14 @@
   </p:clrMapOvr>
   <mc:AlternateContent xmlns:mc="http://schemas.openxmlformats.org/markup-compatibility/2006">
     <mc:Choice xmlns:p14="http://schemas.microsoft.com/office/powerpoint/2010/main" Requires="p14">
-      <p:transition spd="slow" p14:dur="2000" advClick="0" advTm="2000"/>
+      <p:transition spd="med" p14:dur="700" advClick="0" advTm="2000">
+        <p:fade/>
+      </p:transition>
     </mc:Choice>
     <mc:Fallback>
-      <p:transition spd="slow" advClick="0" advTm="2000"/>
+      <p:transition spd="med" advClick="0" advTm="2000">
+        <p:fade/>
+      </p:transition>
     </mc:Fallback>
   </mc:AlternateContent>
 </p:sldLayout>
@@ -1975,10 +1999,14 @@
   </p:clrMapOvr>
   <mc:AlternateContent xmlns:mc="http://schemas.openxmlformats.org/markup-compatibility/2006">
     <mc:Choice xmlns:p14="http://schemas.microsoft.com/office/powerpoint/2010/main" Requires="p14">
-      <p:transition spd="slow" p14:dur="2000" advClick="0" advTm="2000"/>
+      <p:transition spd="med" p14:dur="700" advClick="0" advTm="2000">
+        <p:fade/>
+      </p:transition>
     </mc:Choice>
     <mc:Fallback>
-      <p:transition spd="slow" advClick="0" advTm="2000"/>
+      <p:transition spd="med" advClick="0" advTm="2000">
+        <p:fade/>
+      </p:transition>
     </mc:Fallback>
   </mc:AlternateContent>
 </p:sldLayout>
@@ -2124,10 +2152,14 @@
   </p:clrMapOvr>
   <mc:AlternateContent xmlns:mc="http://schemas.openxmlformats.org/markup-compatibility/2006">
     <mc:Choice xmlns:p14="http://schemas.microsoft.com/office/powerpoint/2010/main" Requires="p14">
-      <p:transition spd="slow" p14:dur="2000" advClick="0" advTm="2000"/>
+      <p:transition spd="med" p14:dur="700" advClick="0" advTm="2000">
+        <p:fade/>
+      </p:transition>
     </mc:Choice>
     <mc:Fallback>
-      <p:transition spd="slow" advClick="0" advTm="2000"/>
+      <p:transition spd="med" advClick="0" advTm="2000">
+        <p:fade/>
+      </p:transition>
     </mc:Fallback>
   </mc:AlternateContent>
 </p:sldLayout>
@@ -2245,10 +2277,14 @@
   </p:clrMapOvr>
   <mc:AlternateContent xmlns:mc="http://schemas.openxmlformats.org/markup-compatibility/2006">
     <mc:Choice xmlns:p14="http://schemas.microsoft.com/office/powerpoint/2010/main" Requires="p14">
-      <p:transition spd="slow" p14:dur="2000" advClick="0" advTm="2000"/>
+      <p:transition spd="med" p14:dur="700" advClick="0" advTm="2000">
+        <p:fade/>
+      </p:transition>
     </mc:Choice>
     <mc:Fallback>
-      <p:transition spd="slow" advClick="0" advTm="2000"/>
+      <p:transition spd="med" advClick="0" advTm="2000">
+        <p:fade/>
+      </p:transition>
     </mc:Fallback>
   </mc:AlternateContent>
 </p:sldLayout>
@@ -2564,10 +2600,14 @@
   </p:clrMapOvr>
   <mc:AlternateContent xmlns:mc="http://schemas.openxmlformats.org/markup-compatibility/2006">
     <mc:Choice xmlns:p14="http://schemas.microsoft.com/office/powerpoint/2010/main" Requires="p14">
-      <p:transition spd="slow" p14:dur="2000" advClick="0" advTm="2000"/>
+      <p:transition spd="med" p14:dur="700" advClick="0" advTm="2000">
+        <p:fade/>
+      </p:transition>
     </mc:Choice>
     <mc:Fallback>
-      <p:transition spd="slow" advClick="0" advTm="2000"/>
+      <p:transition spd="med" advClick="0" advTm="2000">
+        <p:fade/>
+      </p:transition>
     </mc:Fallback>
   </mc:AlternateContent>
 </p:sldLayout>
@@ -2860,10 +2900,14 @@
   </p:clrMapOvr>
   <mc:AlternateContent xmlns:mc="http://schemas.openxmlformats.org/markup-compatibility/2006">
     <mc:Choice xmlns:p14="http://schemas.microsoft.com/office/powerpoint/2010/main" Requires="p14">
-      <p:transition spd="slow" p14:dur="2000" advClick="0" advTm="2000"/>
+      <p:transition spd="med" p14:dur="700" advClick="0" advTm="2000">
+        <p:fade/>
+      </p:transition>
     </mc:Choice>
     <mc:Fallback>
-      <p:transition spd="slow" advClick="0" advTm="2000"/>
+      <p:transition spd="med" advClick="0" advTm="2000">
+        <p:fade/>
+      </p:transition>
     </mc:Fallback>
   </mc:AlternateContent>
 </p:sldLayout>
@@ -3162,10 +3206,14 @@
   </p:sldLayoutIdLst>
   <mc:AlternateContent xmlns:mc="http://schemas.openxmlformats.org/markup-compatibility/2006">
     <mc:Choice xmlns:p14="http://schemas.microsoft.com/office/powerpoint/2010/main" Requires="p14">
-      <p:transition spd="slow" p14:dur="2000" advClick="0" advTm="2000"/>
+      <p:transition spd="med" p14:dur="700" advClick="0" advTm="2000">
+        <p:fade/>
+      </p:transition>
     </mc:Choice>
     <mc:Fallback>
-      <p:transition spd="slow" advClick="0" advTm="2000"/>
+      <p:transition spd="med" advClick="0" advTm="2000">
+        <p:fade/>
+      </p:transition>
     </mc:Fallback>
   </mc:AlternateContent>
   <p:txStyles>
@@ -3521,10 +3569,14 @@
   </p:clrMapOvr>
   <mc:AlternateContent xmlns:mc="http://schemas.openxmlformats.org/markup-compatibility/2006">
     <mc:Choice xmlns:p14="http://schemas.microsoft.com/office/powerpoint/2010/main" Requires="p14">
-      <p:transition spd="slow" p14:dur="2000" advClick="0" advTm="2000"/>
+      <p:transition spd="med" p14:dur="700" advClick="0" advTm="2000">
+        <p:fade/>
+      </p:transition>
     </mc:Choice>
     <mc:Fallback>
-      <p:transition spd="slow" advClick="0" advTm="2000"/>
+      <p:transition spd="med" advClick="0" advTm="2000">
+        <p:fade/>
+      </p:transition>
     </mc:Fallback>
   </mc:AlternateContent>
 </p:sld>
@@ -4795,10 +4847,14 @@
   </p:clrMapOvr>
   <mc:AlternateContent xmlns:mc="http://schemas.openxmlformats.org/markup-compatibility/2006">
     <mc:Choice xmlns:p14="http://schemas.microsoft.com/office/powerpoint/2010/main" Requires="p14">
-      <p:transition spd="slow" p14:dur="2000" advClick="0" advTm="2000"/>
+      <p:transition spd="med" p14:dur="700" advClick="0" advTm="2000">
+        <p:fade/>
+      </p:transition>
     </mc:Choice>
     <mc:Fallback>
-      <p:transition spd="slow" advClick="0" advTm="2000"/>
+      <p:transition spd="med" advClick="0" advTm="2000">
+        <p:fade/>
+      </p:transition>
     </mc:Fallback>
   </mc:AlternateContent>
 </p:sld>
@@ -5888,10 +5944,14 @@
   </p:clrMapOvr>
   <mc:AlternateContent xmlns:mc="http://schemas.openxmlformats.org/markup-compatibility/2006">
     <mc:Choice xmlns:p14="http://schemas.microsoft.com/office/powerpoint/2010/main" Requires="p14">
-      <p:transition spd="slow" p14:dur="2000" advClick="0" advTm="2000"/>
+      <p:transition spd="med" p14:dur="700" advClick="0" advTm="2000">
+        <p:fade/>
+      </p:transition>
     </mc:Choice>
     <mc:Fallback>
-      <p:transition spd="slow" advClick="0" advTm="2000"/>
+      <p:transition spd="med" advClick="0" advTm="2000">
+        <p:fade/>
+      </p:transition>
     </mc:Fallback>
   </mc:AlternateContent>
 </p:sld>
@@ -7120,10 +7180,14 @@
   </p:clrMapOvr>
   <mc:AlternateContent xmlns:mc="http://schemas.openxmlformats.org/markup-compatibility/2006">
     <mc:Choice xmlns:p14="http://schemas.microsoft.com/office/powerpoint/2010/main" Requires="p14">
-      <p:transition spd="slow" p14:dur="2000" advClick="0" advTm="2000"/>
+      <p:transition spd="med" p14:dur="700" advClick="0" advTm="2000">
+        <p:fade/>
+      </p:transition>
     </mc:Choice>
     <mc:Fallback>
-      <p:transition spd="slow" advClick="0" advTm="2000"/>
+      <p:transition spd="med" advClick="0" advTm="2000">
+        <p:fade/>
+      </p:transition>
     </mc:Fallback>
   </mc:AlternateContent>
 </p:sld>
@@ -8396,10 +8460,14 @@
   </p:clrMapOvr>
   <mc:AlternateContent xmlns:mc="http://schemas.openxmlformats.org/markup-compatibility/2006">
     <mc:Choice xmlns:p14="http://schemas.microsoft.com/office/powerpoint/2010/main" Requires="p14">
-      <p:transition spd="slow" p14:dur="2000" advClick="0" advTm="2000"/>
+      <p:transition spd="med" p14:dur="700" advClick="0" advTm="2000">
+        <p:fade/>
+      </p:transition>
     </mc:Choice>
     <mc:Fallback>
-      <p:transition spd="slow" advClick="0" advTm="2000"/>
+      <p:transition spd="med" advClick="0" advTm="2000">
+        <p:fade/>
+      </p:transition>
     </mc:Fallback>
   </mc:AlternateContent>
 </p:sld>
@@ -9473,10 +9541,14 @@
   </p:clrMapOvr>
   <mc:AlternateContent xmlns:mc="http://schemas.openxmlformats.org/markup-compatibility/2006">
     <mc:Choice xmlns:p14="http://schemas.microsoft.com/office/powerpoint/2010/main" Requires="p14">
-      <p:transition spd="slow" p14:dur="2000" advClick="0" advTm="2000"/>
+      <p:transition spd="med" p14:dur="700" advClick="0" advTm="2000">
+        <p:fade/>
+      </p:transition>
     </mc:Choice>
     <mc:Fallback>
-      <p:transition spd="slow" advClick="0" advTm="2000"/>
+      <p:transition spd="med" advClick="0" advTm="2000">
+        <p:fade/>
+      </p:transition>
     </mc:Fallback>
   </mc:AlternateContent>
 </p:sld>
@@ -9552,10 +9624,14 @@
   </p:clrMapOvr>
   <mc:AlternateContent xmlns:mc="http://schemas.openxmlformats.org/markup-compatibility/2006">
     <mc:Choice xmlns:p14="http://schemas.microsoft.com/office/powerpoint/2010/main" Requires="p14">
-      <p:transition spd="slow" p14:dur="2000" advClick="0" advTm="2000"/>
+      <p:transition spd="med" p14:dur="700" advClick="0" advTm="2000">
+        <p:fade/>
+      </p:transition>
     </mc:Choice>
     <mc:Fallback>
-      <p:transition spd="slow" advClick="0" advTm="2000"/>
+      <p:transition spd="med" advClick="0" advTm="2000">
+        <p:fade/>
+      </p:transition>
     </mc:Fallback>
   </mc:AlternateContent>
 </p:sld>
@@ -10644,10 +10720,14 @@
   </p:clrMapOvr>
   <mc:AlternateContent xmlns:mc="http://schemas.openxmlformats.org/markup-compatibility/2006">
     <mc:Choice xmlns:p14="http://schemas.microsoft.com/office/powerpoint/2010/main" Requires="p14">
-      <p:transition spd="slow" p14:dur="2000" advClick="0" advTm="2000"/>
+      <p:transition spd="med" p14:dur="700" advClick="0" advTm="2000">
+        <p:fade/>
+      </p:transition>
     </mc:Choice>
     <mc:Fallback>
-      <p:transition spd="slow" advClick="0" advTm="2000"/>
+      <p:transition spd="med" advClick="0" advTm="2000">
+        <p:fade/>
+      </p:transition>
     </mc:Fallback>
   </mc:AlternateContent>
 </p:sld>
@@ -11781,10 +11861,14 @@
   </p:clrMapOvr>
   <mc:AlternateContent xmlns:mc="http://schemas.openxmlformats.org/markup-compatibility/2006">
     <mc:Choice xmlns:p14="http://schemas.microsoft.com/office/powerpoint/2010/main" Requires="p14">
-      <p:transition spd="slow" p14:dur="2000" advClick="0" advTm="2000"/>
+      <p:transition spd="med" p14:dur="700" advClick="0" advTm="2000">
+        <p:fade/>
+      </p:transition>
     </mc:Choice>
     <mc:Fallback>
-      <p:transition spd="slow" advClick="0" advTm="2000"/>
+      <p:transition spd="med" advClick="0" advTm="2000">
+        <p:fade/>
+      </p:transition>
     </mc:Fallback>
   </mc:AlternateContent>
 </p:sld>
@@ -12962,10 +13046,14 @@
   </p:clrMapOvr>
   <mc:AlternateContent xmlns:mc="http://schemas.openxmlformats.org/markup-compatibility/2006">
     <mc:Choice xmlns:p14="http://schemas.microsoft.com/office/powerpoint/2010/main" Requires="p14">
-      <p:transition spd="slow" p14:dur="2000" advClick="0" advTm="2000"/>
+      <p:transition spd="med" p14:dur="700" advClick="0" advTm="2000">
+        <p:fade/>
+      </p:transition>
     </mc:Choice>
     <mc:Fallback>
-      <p:transition spd="slow" advClick="0" advTm="2000"/>
+      <p:transition spd="med" advClick="0" advTm="2000">
+        <p:fade/>
+      </p:transition>
     </mc:Fallback>
   </mc:AlternateContent>
 </p:sld>
@@ -14055,10 +14143,14 @@
   </p:clrMapOvr>
   <mc:AlternateContent xmlns:mc="http://schemas.openxmlformats.org/markup-compatibility/2006">
     <mc:Choice xmlns:p14="http://schemas.microsoft.com/office/powerpoint/2010/main" Requires="p14">
-      <p:transition spd="slow" p14:dur="2000" advClick="0" advTm="2000"/>
+      <p:transition spd="med" p14:dur="700" advClick="0" advTm="2000">
+        <p:fade/>
+      </p:transition>
     </mc:Choice>
     <mc:Fallback>
-      <p:transition spd="slow" advClick="0" advTm="2000"/>
+      <p:transition spd="med" advClick="0" advTm="2000">
+        <p:fade/>
+      </p:transition>
     </mc:Fallback>
   </mc:AlternateContent>
 </p:sld>
@@ -15192,10 +15284,14 @@
   </p:clrMapOvr>
   <mc:AlternateContent xmlns:mc="http://schemas.openxmlformats.org/markup-compatibility/2006">
     <mc:Choice xmlns:p14="http://schemas.microsoft.com/office/powerpoint/2010/main" Requires="p14">
-      <p:transition spd="slow" p14:dur="2000" advClick="0" advTm="2000"/>
+      <p:transition spd="med" p14:dur="700" advClick="0" advTm="2000">
+        <p:fade/>
+      </p:transition>
     </mc:Choice>
     <mc:Fallback>
-      <p:transition spd="slow" advClick="0" advTm="2000"/>
+      <p:transition spd="med" advClick="0" advTm="2000">
+        <p:fade/>
+      </p:transition>
     </mc:Fallback>
   </mc:AlternateContent>
 </p:sld>
@@ -16373,10 +16469,14 @@
   </p:clrMapOvr>
   <mc:AlternateContent xmlns:mc="http://schemas.openxmlformats.org/markup-compatibility/2006">
     <mc:Choice xmlns:p14="http://schemas.microsoft.com/office/powerpoint/2010/main" Requires="p14">
-      <p:transition spd="slow" p14:dur="2000" advClick="0" advTm="2000"/>
+      <p:transition spd="med" p14:dur="700" advClick="0" advTm="2000">
+        <p:fade/>
+      </p:transition>
     </mc:Choice>
     <mc:Fallback>
-      <p:transition spd="slow" advClick="0" advTm="2000"/>
+      <p:transition spd="med" advClick="0" advTm="2000">
+        <p:fade/>
+      </p:transition>
     </mc:Fallback>
   </mc:AlternateContent>
 </p:sld>
@@ -17466,10 +17566,14 @@
   </p:clrMapOvr>
   <mc:AlternateContent xmlns:mc="http://schemas.openxmlformats.org/markup-compatibility/2006">
     <mc:Choice xmlns:p14="http://schemas.microsoft.com/office/powerpoint/2010/main" Requires="p14">
-      <p:transition spd="slow" p14:dur="2000" advClick="0" advTm="2000"/>
+      <p:transition spd="med" p14:dur="700" advClick="0" advTm="2000">
+        <p:fade/>
+      </p:transition>
     </mc:Choice>
     <mc:Fallback>
-      <p:transition spd="slow" advClick="0" advTm="2000"/>
+      <p:transition spd="med" advClick="0" advTm="2000">
+        <p:fade/>
+      </p:transition>
     </mc:Fallback>
   </mc:AlternateContent>
 </p:sld>
@@ -18696,10 +18800,14 @@
   </p:clrMapOvr>
   <mc:AlternateContent xmlns:mc="http://schemas.openxmlformats.org/markup-compatibility/2006">
     <mc:Choice xmlns:p14="http://schemas.microsoft.com/office/powerpoint/2010/main" Requires="p14">
-      <p:transition spd="slow" p14:dur="2000" advClick="0" advTm="2000"/>
+      <p:transition spd="med" p14:dur="700" advClick="0" advTm="2000">
+        <p:fade/>
+      </p:transition>
     </mc:Choice>
     <mc:Fallback>
-      <p:transition spd="slow" advClick="0" advTm="2000"/>
+      <p:transition spd="med" advClick="0" advTm="2000">
+        <p:fade/>
+      </p:transition>
     </mc:Fallback>
   </mc:AlternateContent>
 </p:sld>
